--- a/Img/framework.pptx
+++ b/Img/framework.pptx
@@ -104,6 +104,11 @@
       </a:defRPr>
     </a:lvl9pPr>
   </p:defaultTextStyle>
+  <p:extLst>
+    <p:ext uri="{EFAFB233-063F-42B5-8137-9DF3F51BA10A}">
+      <p15:sldGuideLst xmlns:p15="http://schemas.microsoft.com/office/powerpoint/2012/main"/>
+    </p:ext>
+  </p:extLst>
 </p:presentation>
 </file>
 
@@ -256,7 +261,7 @@
           <a:p>
             <a:fld id="{1A40E73A-A2B1-FD45-A04F-C9AA8EC6771C}" type="datetimeFigureOut">
               <a:rPr lang="en-DE" smtClean="0"/>
-              <a:t>04.05.21</a:t>
+              <a:t>29.06.21</a:t>
             </a:fld>
             <a:endParaRPr lang="en-DE"/>
           </a:p>
@@ -456,7 +461,7 @@
           <a:p>
             <a:fld id="{1A40E73A-A2B1-FD45-A04F-C9AA8EC6771C}" type="datetimeFigureOut">
               <a:rPr lang="en-DE" smtClean="0"/>
-              <a:t>04.05.21</a:t>
+              <a:t>29.06.21</a:t>
             </a:fld>
             <a:endParaRPr lang="en-DE"/>
           </a:p>
@@ -666,7 +671,7 @@
           <a:p>
             <a:fld id="{1A40E73A-A2B1-FD45-A04F-C9AA8EC6771C}" type="datetimeFigureOut">
               <a:rPr lang="en-DE" smtClean="0"/>
-              <a:t>04.05.21</a:t>
+              <a:t>29.06.21</a:t>
             </a:fld>
             <a:endParaRPr lang="en-DE"/>
           </a:p>
@@ -866,7 +871,7 @@
           <a:p>
             <a:fld id="{1A40E73A-A2B1-FD45-A04F-C9AA8EC6771C}" type="datetimeFigureOut">
               <a:rPr lang="en-DE" smtClean="0"/>
-              <a:t>04.05.21</a:t>
+              <a:t>29.06.21</a:t>
             </a:fld>
             <a:endParaRPr lang="en-DE"/>
           </a:p>
@@ -1142,7 +1147,7 @@
           <a:p>
             <a:fld id="{1A40E73A-A2B1-FD45-A04F-C9AA8EC6771C}" type="datetimeFigureOut">
               <a:rPr lang="en-DE" smtClean="0"/>
-              <a:t>04.05.21</a:t>
+              <a:t>29.06.21</a:t>
             </a:fld>
             <a:endParaRPr lang="en-DE"/>
           </a:p>
@@ -1410,7 +1415,7 @@
           <a:p>
             <a:fld id="{1A40E73A-A2B1-FD45-A04F-C9AA8EC6771C}" type="datetimeFigureOut">
               <a:rPr lang="en-DE" smtClean="0"/>
-              <a:t>04.05.21</a:t>
+              <a:t>29.06.21</a:t>
             </a:fld>
             <a:endParaRPr lang="en-DE"/>
           </a:p>
@@ -1825,7 +1830,7 @@
           <a:p>
             <a:fld id="{1A40E73A-A2B1-FD45-A04F-C9AA8EC6771C}" type="datetimeFigureOut">
               <a:rPr lang="en-DE" smtClean="0"/>
-              <a:t>04.05.21</a:t>
+              <a:t>29.06.21</a:t>
             </a:fld>
             <a:endParaRPr lang="en-DE"/>
           </a:p>
@@ -1967,7 +1972,7 @@
           <a:p>
             <a:fld id="{1A40E73A-A2B1-FD45-A04F-C9AA8EC6771C}" type="datetimeFigureOut">
               <a:rPr lang="en-DE" smtClean="0"/>
-              <a:t>04.05.21</a:t>
+              <a:t>29.06.21</a:t>
             </a:fld>
             <a:endParaRPr lang="en-DE"/>
           </a:p>
@@ -2080,7 +2085,7 @@
           <a:p>
             <a:fld id="{1A40E73A-A2B1-FD45-A04F-C9AA8EC6771C}" type="datetimeFigureOut">
               <a:rPr lang="en-DE" smtClean="0"/>
-              <a:t>04.05.21</a:t>
+              <a:t>29.06.21</a:t>
             </a:fld>
             <a:endParaRPr lang="en-DE"/>
           </a:p>
@@ -2393,7 +2398,7 @@
           <a:p>
             <a:fld id="{1A40E73A-A2B1-FD45-A04F-C9AA8EC6771C}" type="datetimeFigureOut">
               <a:rPr lang="en-DE" smtClean="0"/>
-              <a:t>04.05.21</a:t>
+              <a:t>29.06.21</a:t>
             </a:fld>
             <a:endParaRPr lang="en-DE"/>
           </a:p>
@@ -2682,7 +2687,7 @@
           <a:p>
             <a:fld id="{1A40E73A-A2B1-FD45-A04F-C9AA8EC6771C}" type="datetimeFigureOut">
               <a:rPr lang="en-DE" smtClean="0"/>
-              <a:t>04.05.21</a:t>
+              <a:t>29.06.21</a:t>
             </a:fld>
             <a:endParaRPr lang="en-DE"/>
           </a:p>
@@ -2925,7 +2930,7 @@
           <a:p>
             <a:fld id="{1A40E73A-A2B1-FD45-A04F-C9AA8EC6771C}" type="datetimeFigureOut">
               <a:rPr lang="en-DE" smtClean="0"/>
-              <a:t>04.05.21</a:t>
+              <a:t>29.06.21</a:t>
             </a:fld>
             <a:endParaRPr lang="en-DE"/>
           </a:p>
@@ -3584,7 +3589,18 @@
                   <a:schemeClr val="tx1"/>
                 </a:solidFill>
               </a:rPr>
-              <a:t>Trading Rules</a:t>
+              <a:t>Rule</a:t>
+            </a:r>
+          </a:p>
+          <a:p>
+            <a:pPr algn="ctr"/>
+            <a:r>
+              <a:rPr lang="en-DE" dirty="0">
+                <a:solidFill>
+                  <a:schemeClr val="tx1"/>
+                </a:solidFill>
+              </a:rPr>
+              <a:t>Layer</a:t>
             </a:r>
           </a:p>
         </p:txBody>
@@ -3746,7 +3762,7 @@
                   <a:schemeClr val="tx1"/>
                 </a:solidFill>
               </a:rPr>
-              <a:t>Trading Simulation Module</a:t>
+              <a:t>Trading Simulation Layer</a:t>
             </a:r>
           </a:p>
         </p:txBody>
@@ -3818,7 +3834,7 @@
                   <a:schemeClr val="tx1"/>
                 </a:solidFill>
               </a:rPr>
-              <a:t>Module</a:t>
+              <a:t>Layer</a:t>
             </a:r>
           </a:p>
         </p:txBody>
@@ -4205,8 +4221,21 @@
                   <a:schemeClr val="tx1"/>
                 </a:solidFill>
               </a:rPr>
-              <a:t>Trading Simulation Module</a:t>
-            </a:r>
+              <a:t>Trading </a:t>
+            </a:r>
+            <a:r>
+              <a:rPr lang="en-DE" sz="1600">
+                <a:solidFill>
+                  <a:schemeClr val="tx1"/>
+                </a:solidFill>
+              </a:rPr>
+              <a:t>Simulation Layer</a:t>
+            </a:r>
+            <a:endParaRPr lang="en-DE" sz="1600" dirty="0">
+              <a:solidFill>
+                <a:schemeClr val="tx1"/>
+              </a:solidFill>
+            </a:endParaRPr>
           </a:p>
         </p:txBody>
       </p:sp>
@@ -4277,7 +4306,7 @@
                   <a:schemeClr val="tx1"/>
                 </a:solidFill>
               </a:rPr>
-              <a:t>Module</a:t>
+              <a:t>Layer</a:t>
             </a:r>
           </a:p>
         </p:txBody>
